--- a/PPT FWD TNSDC 2025 (6).pptx
+++ b/PPT FWD TNSDC 2025 (6).pptx
@@ -3501,18 +3501,6 @@
             <a:r>
               <a:rPr lang="en-GB" sz="2400" b="1" dirty="0"/>
               <a:t>technical expertise (coding, web development)</a:t>
-            </a:r>
-            <a:r>
-              <a:rPr lang="en-GB" sz="2400" dirty="0"/>
-              <a:t> and </a:t>
-            </a:r>
-            <a:r>
-              <a:rPr lang="en-GB" sz="2400" b="1" dirty="0"/>
-              <a:t>business mindset (affiliate marketing, e-commerce goals)</a:t>
-            </a:r>
-            <a:r>
-              <a:rPr lang="en-GB" sz="2400" dirty="0"/>
-              <a:t>.</a:t>
             </a:r>
             <a:br>
               <a:rPr lang="en-GB" sz="2400" dirty="0"/>
@@ -7772,27 +7760,21 @@
             </a:r>
             <a:r>
               <a:rPr lang="en-GB" sz="2800" dirty="0"/>
-              <a:t> → Amazon affiliate website project.</a:t>
-            </a:r>
-          </a:p>
-          <a:p>
+              <a:t> → Calculator and Weather App</a:t>
+            </a:r>
             <a:r>
               <a:rPr lang="en-GB" sz="2800" b="1" dirty="0"/>
-              <a:t>Contact Form</a:t>
+              <a:t> </a:t>
+            </a:r>
+          </a:p>
+          <a:p>
+            <a:r>
+              <a:rPr lang="en-GB" sz="2800" b="1" dirty="0"/>
+              <a:t>Form</a:t>
             </a:r>
             <a:r>
               <a:rPr lang="en-GB" sz="2800" dirty="0"/>
               <a:t> → Allows visitors to send messages.</a:t>
-            </a:r>
-          </a:p>
-          <a:p>
-            <a:r>
-              <a:rPr lang="en-GB" sz="2800" b="1" dirty="0"/>
-              <a:t>Modern design</a:t>
-            </a:r>
-            <a:r>
-              <a:rPr lang="en-GB" sz="2800" dirty="0"/>
-              <a:t> with gradient backgrounds, rounded corners, and shadow effects.</a:t>
             </a:r>
           </a:p>
           <a:p>
